--- a/WPCN/2020_11_additional_test/images.pptx
+++ b/WPCN/2020_11_additional_test/images.pptx
@@ -112,6 +112,11 @@
       </a:defRPr>
     </a:lvl9pPr>
   </p:defaultTextStyle>
+  <p:extLst>
+    <p:ext uri="{EFAFB233-063F-42B5-8137-9DF3F51BA10A}">
+      <p15:sldGuideLst xmlns:p15="http://schemas.microsoft.com/office/powerpoint/2012/main"/>
+    </p:ext>
+  </p:extLst>
 </p:presentation>
 </file>
 
@@ -246,7 +251,7 @@
           <a:p>
             <a:fld id="{18A16B8B-7E63-4F8E-84B5-70B1CA20F487}" type="datetimeFigureOut">
               <a:rPr lang="ko-KR" altLang="en-US" smtClean="0"/>
-              <a:t>2020-11-21</a:t>
+              <a:t>2020-11-24</a:t>
             </a:fld>
             <a:endParaRPr lang="ko-KR" altLang="en-US"/>
           </a:p>
@@ -416,7 +421,7 @@
           <a:p>
             <a:fld id="{18A16B8B-7E63-4F8E-84B5-70B1CA20F487}" type="datetimeFigureOut">
               <a:rPr lang="ko-KR" altLang="en-US" smtClean="0"/>
-              <a:t>2020-11-21</a:t>
+              <a:t>2020-11-24</a:t>
             </a:fld>
             <a:endParaRPr lang="ko-KR" altLang="en-US"/>
           </a:p>
@@ -596,7 +601,7 @@
           <a:p>
             <a:fld id="{18A16B8B-7E63-4F8E-84B5-70B1CA20F487}" type="datetimeFigureOut">
               <a:rPr lang="ko-KR" altLang="en-US" smtClean="0"/>
-              <a:t>2020-11-21</a:t>
+              <a:t>2020-11-24</a:t>
             </a:fld>
             <a:endParaRPr lang="ko-KR" altLang="en-US"/>
           </a:p>
@@ -766,7 +771,7 @@
           <a:p>
             <a:fld id="{18A16B8B-7E63-4F8E-84B5-70B1CA20F487}" type="datetimeFigureOut">
               <a:rPr lang="ko-KR" altLang="en-US" smtClean="0"/>
-              <a:t>2020-11-21</a:t>
+              <a:t>2020-11-24</a:t>
             </a:fld>
             <a:endParaRPr lang="ko-KR" altLang="en-US"/>
           </a:p>
@@ -1012,7 +1017,7 @@
           <a:p>
             <a:fld id="{18A16B8B-7E63-4F8E-84B5-70B1CA20F487}" type="datetimeFigureOut">
               <a:rPr lang="ko-KR" altLang="en-US" smtClean="0"/>
-              <a:t>2020-11-21</a:t>
+              <a:t>2020-11-24</a:t>
             </a:fld>
             <a:endParaRPr lang="ko-KR" altLang="en-US"/>
           </a:p>
@@ -1244,7 +1249,7 @@
           <a:p>
             <a:fld id="{18A16B8B-7E63-4F8E-84B5-70B1CA20F487}" type="datetimeFigureOut">
               <a:rPr lang="ko-KR" altLang="en-US" smtClean="0"/>
-              <a:t>2020-11-21</a:t>
+              <a:t>2020-11-24</a:t>
             </a:fld>
             <a:endParaRPr lang="ko-KR" altLang="en-US"/>
           </a:p>
@@ -1611,7 +1616,7 @@
           <a:p>
             <a:fld id="{18A16B8B-7E63-4F8E-84B5-70B1CA20F487}" type="datetimeFigureOut">
               <a:rPr lang="ko-KR" altLang="en-US" smtClean="0"/>
-              <a:t>2020-11-21</a:t>
+              <a:t>2020-11-24</a:t>
             </a:fld>
             <a:endParaRPr lang="ko-KR" altLang="en-US"/>
           </a:p>
@@ -1729,7 +1734,7 @@
           <a:p>
             <a:fld id="{18A16B8B-7E63-4F8E-84B5-70B1CA20F487}" type="datetimeFigureOut">
               <a:rPr lang="ko-KR" altLang="en-US" smtClean="0"/>
-              <a:t>2020-11-21</a:t>
+              <a:t>2020-11-24</a:t>
             </a:fld>
             <a:endParaRPr lang="ko-KR" altLang="en-US"/>
           </a:p>
@@ -1824,7 +1829,7 @@
           <a:p>
             <a:fld id="{18A16B8B-7E63-4F8E-84B5-70B1CA20F487}" type="datetimeFigureOut">
               <a:rPr lang="ko-KR" altLang="en-US" smtClean="0"/>
-              <a:t>2020-11-21</a:t>
+              <a:t>2020-11-24</a:t>
             </a:fld>
             <a:endParaRPr lang="ko-KR" altLang="en-US"/>
           </a:p>
@@ -2101,7 +2106,7 @@
           <a:p>
             <a:fld id="{18A16B8B-7E63-4F8E-84B5-70B1CA20F487}" type="datetimeFigureOut">
               <a:rPr lang="ko-KR" altLang="en-US" smtClean="0"/>
-              <a:t>2020-11-21</a:t>
+              <a:t>2020-11-24</a:t>
             </a:fld>
             <a:endParaRPr lang="ko-KR" altLang="en-US"/>
           </a:p>
@@ -2354,7 +2359,7 @@
           <a:p>
             <a:fld id="{18A16B8B-7E63-4F8E-84B5-70B1CA20F487}" type="datetimeFigureOut">
               <a:rPr lang="ko-KR" altLang="en-US" smtClean="0"/>
-              <a:t>2020-11-21</a:t>
+              <a:t>2020-11-24</a:t>
             </a:fld>
             <a:endParaRPr lang="ko-KR" altLang="en-US"/>
           </a:p>
@@ -2567,7 +2572,7 @@
           <a:p>
             <a:fld id="{18A16B8B-7E63-4F8E-84B5-70B1CA20F487}" type="datetimeFigureOut">
               <a:rPr lang="ko-KR" altLang="en-US" smtClean="0"/>
-              <a:t>2020-11-21</a:t>
+              <a:t>2020-11-24</a:t>
             </a:fld>
             <a:endParaRPr lang="ko-KR" altLang="en-US"/>
           </a:p>
@@ -2974,7 +2979,7 @@
       </p:grpSpPr>
       <p:pic>
         <p:nvPicPr>
-          <p:cNvPr id="4" name="Picture 3"/>
+          <p:cNvPr id="2" name="Picture 1"/>
           <p:cNvPicPr>
             <a:picLocks noChangeAspect="1"/>
           </p:cNvPicPr>
@@ -2988,8 +2993,8 @@
         </p:blipFill>
         <p:spPr>
           <a:xfrm>
-            <a:off x="486603" y="373752"/>
-            <a:ext cx="6229350" cy="4162425"/>
+            <a:off x="464033" y="378515"/>
+            <a:ext cx="6334125" cy="4152900"/>
           </a:xfrm>
           <a:prstGeom prst="rect">
             <a:avLst/>
@@ -3190,7 +3195,7 @@
       </p:grpSpPr>
       <p:pic>
         <p:nvPicPr>
-          <p:cNvPr id="2" name="Picture 1"/>
+          <p:cNvPr id="3" name="Picture 2"/>
           <p:cNvPicPr>
             <a:picLocks noChangeAspect="1"/>
           </p:cNvPicPr>
@@ -3204,8 +3209,8 @@
         </p:blipFill>
         <p:spPr>
           <a:xfrm>
-            <a:off x="822463" y="591585"/>
-            <a:ext cx="6591300" cy="4124325"/>
+            <a:off x="551207" y="403155"/>
+            <a:ext cx="6610350" cy="4143375"/>
           </a:xfrm>
           <a:prstGeom prst="rect">
             <a:avLst/>
@@ -3322,7 +3327,7 @@
       </p:pic>
       <p:pic>
         <p:nvPicPr>
-          <p:cNvPr id="10" name="Picture 9"/>
+          <p:cNvPr id="11" name="Picture 10"/>
           <p:cNvPicPr>
             <a:picLocks noChangeAspect="1"/>
           </p:cNvPicPr>
@@ -3336,8 +3341,8 @@
         </p:blipFill>
         <p:spPr>
           <a:xfrm>
-            <a:off x="612835" y="411852"/>
-            <a:ext cx="3232586" cy="2160000"/>
+            <a:off x="4171208" y="411852"/>
+            <a:ext cx="3304404" cy="2160000"/>
           </a:xfrm>
           <a:prstGeom prst="rect">
             <a:avLst/>
@@ -3346,7 +3351,7 @@
       </p:pic>
       <p:pic>
         <p:nvPicPr>
-          <p:cNvPr id="11" name="Picture 10"/>
+          <p:cNvPr id="12" name="Picture 11"/>
           <p:cNvPicPr>
             <a:picLocks noChangeAspect="1"/>
           </p:cNvPicPr>
@@ -3360,8 +3365,8 @@
         </p:blipFill>
         <p:spPr>
           <a:xfrm>
-            <a:off x="4171208" y="411852"/>
-            <a:ext cx="3304404" cy="2160000"/>
+            <a:off x="7801399" y="411852"/>
+            <a:ext cx="3284793" cy="2160000"/>
           </a:xfrm>
           <a:prstGeom prst="rect">
             <a:avLst/>
@@ -3370,7 +3375,7 @@
       </p:pic>
       <p:pic>
         <p:nvPicPr>
-          <p:cNvPr id="12" name="Picture 11"/>
+          <p:cNvPr id="13" name="Picture 12"/>
           <p:cNvPicPr>
             <a:picLocks noChangeAspect="1"/>
           </p:cNvPicPr>
@@ -3384,8 +3389,8 @@
         </p:blipFill>
         <p:spPr>
           <a:xfrm>
-            <a:off x="7801399" y="411852"/>
-            <a:ext cx="3284793" cy="2160000"/>
+            <a:off x="541474" y="2800762"/>
+            <a:ext cx="3375308" cy="2160000"/>
           </a:xfrm>
           <a:prstGeom prst="rect">
             <a:avLst/>
@@ -3394,7 +3399,7 @@
       </p:pic>
       <p:pic>
         <p:nvPicPr>
-          <p:cNvPr id="13" name="Picture 12"/>
+          <p:cNvPr id="8" name="Picture 7"/>
           <p:cNvPicPr>
             <a:picLocks noChangeAspect="1"/>
           </p:cNvPicPr>
@@ -3408,8 +3413,8 @@
         </p:blipFill>
         <p:spPr>
           <a:xfrm>
-            <a:off x="541474" y="2800762"/>
-            <a:ext cx="3375308" cy="2160000"/>
+            <a:off x="601874" y="373026"/>
+            <a:ext cx="3243548" cy="2198826"/>
           </a:xfrm>
           <a:prstGeom prst="rect">
             <a:avLst/>
@@ -3418,7 +3423,7 @@
       </p:pic>
       <p:pic>
         <p:nvPicPr>
-          <p:cNvPr id="14" name="Picture 13"/>
+          <p:cNvPr id="15" name="Picture 14"/>
           <p:cNvPicPr>
             <a:picLocks noChangeAspect="1"/>
           </p:cNvPicPr>
@@ -3432,8 +3437,8 @@
         </p:blipFill>
         <p:spPr>
           <a:xfrm>
-            <a:off x="4023603" y="2800762"/>
-            <a:ext cx="3452009" cy="2160000"/>
+            <a:off x="4171208" y="2800762"/>
+            <a:ext cx="3304404" cy="2160000"/>
           </a:xfrm>
           <a:prstGeom prst="rect">
             <a:avLst/>
